--- a/Docs/1_Architecture.pptx
+++ b/Docs/1_Architecture.pptx
@@ -24591,6 +24591,549 @@
           </a:graphicData>
         </a:graphic>
       </p:graphicFrame>
+      <p:sp>
+        <p:nvSpPr>
+          <p:cNvPr id="5" name="Content Placeholder 2">
+            <a:extLst>
+              <a:ext uri="{FF2B5EF4-FFF2-40B4-BE49-F238E27FC236}">
+                <a16:creationId xmlns:a16="http://schemas.microsoft.com/office/drawing/2014/main" id="{7CC2D357-F2F0-41E9-A525-08AD10D13ED3}"/>
+              </a:ext>
+            </a:extLst>
+          </p:cNvPr>
+          <p:cNvSpPr txBox="1">
+            <a:spLocks/>
+          </p:cNvSpPr>
+          <p:nvPr/>
+        </p:nvSpPr>
+        <p:spPr>
+          <a:xfrm>
+            <a:off x="1371600" y="2286000"/>
+            <a:ext cx="4559417" cy="3099732"/>
+          </a:xfrm>
+          <a:prstGeom prst="rect">
+            <a:avLst/>
+          </a:prstGeom>
+        </p:spPr>
+        <p:txBody>
+          <a:bodyPr vert="horz" lIns="91440" tIns="45720" rIns="91440" bIns="45720" rtlCol="0">
+            <a:normAutofit/>
+          </a:bodyPr>
+          <a:lstStyle>
+            <a:lvl1pPr marL="384048" indent="-384048" algn="l" defTabSz="914400" rtl="0" eaLnBrk="1" latinLnBrk="0" hangingPunct="1">
+              <a:lnSpc>
+                <a:spcPct val="94000"/>
+              </a:lnSpc>
+              <a:spcBef>
+                <a:spcPts val="1000"/>
+              </a:spcBef>
+              <a:spcAft>
+                <a:spcPts val="200"/>
+              </a:spcAft>
+              <a:buFont typeface="Franklin Gothic Book" panose="020B0503020102020204" pitchFamily="34" charset="0"/>
+              <a:buChar char="■"/>
+              <a:defRPr sz="2000" kern="1200" baseline="0">
+                <a:solidFill>
+                  <a:schemeClr val="tx2"/>
+                </a:solidFill>
+                <a:latin typeface="+mn-lt"/>
+                <a:ea typeface="+mn-ea"/>
+                <a:cs typeface="+mn-cs"/>
+              </a:defRPr>
+            </a:lvl1pPr>
+            <a:lvl2pPr marL="914400" indent="-384048" algn="l" defTabSz="914400" rtl="0" eaLnBrk="1" latinLnBrk="0" hangingPunct="1">
+              <a:lnSpc>
+                <a:spcPct val="94000"/>
+              </a:lnSpc>
+              <a:spcBef>
+                <a:spcPts val="500"/>
+              </a:spcBef>
+              <a:spcAft>
+                <a:spcPts val="200"/>
+              </a:spcAft>
+              <a:buFont typeface="Franklin Gothic Book" panose="020B0503020102020204" pitchFamily="34" charset="0"/>
+              <a:buChar char="–"/>
+              <a:defRPr sz="2000" i="1" kern="1200" baseline="0">
+                <a:solidFill>
+                  <a:schemeClr val="tx2"/>
+                </a:solidFill>
+                <a:latin typeface="+mn-lt"/>
+                <a:ea typeface="+mn-ea"/>
+                <a:cs typeface="+mn-cs"/>
+              </a:defRPr>
+            </a:lvl2pPr>
+            <a:lvl3pPr marL="1371600" indent="-384048" algn="l" defTabSz="914400" rtl="0" eaLnBrk="1" latinLnBrk="0" hangingPunct="1">
+              <a:lnSpc>
+                <a:spcPct val="94000"/>
+              </a:lnSpc>
+              <a:spcBef>
+                <a:spcPts val="500"/>
+              </a:spcBef>
+              <a:spcAft>
+                <a:spcPts val="200"/>
+              </a:spcAft>
+              <a:buFont typeface="Franklin Gothic Book" panose="020B0503020102020204" pitchFamily="34" charset="0"/>
+              <a:buChar char="■"/>
+              <a:defRPr sz="1800" kern="1200" baseline="0">
+                <a:solidFill>
+                  <a:schemeClr val="tx2"/>
+                </a:solidFill>
+                <a:latin typeface="+mn-lt"/>
+                <a:ea typeface="+mn-ea"/>
+                <a:cs typeface="+mn-cs"/>
+              </a:defRPr>
+            </a:lvl3pPr>
+            <a:lvl4pPr marL="1828800" indent="-384048" algn="l" defTabSz="914400" rtl="0" eaLnBrk="1" latinLnBrk="0" hangingPunct="1">
+              <a:lnSpc>
+                <a:spcPct val="94000"/>
+              </a:lnSpc>
+              <a:spcBef>
+                <a:spcPts val="500"/>
+              </a:spcBef>
+              <a:spcAft>
+                <a:spcPts val="200"/>
+              </a:spcAft>
+              <a:buFont typeface="Franklin Gothic Book" panose="020B0503020102020204" pitchFamily="34" charset="0"/>
+              <a:buChar char="–"/>
+              <a:defRPr sz="1800" i="1" kern="1200" baseline="0">
+                <a:solidFill>
+                  <a:schemeClr val="tx2"/>
+                </a:solidFill>
+                <a:latin typeface="+mn-lt"/>
+                <a:ea typeface="+mn-ea"/>
+                <a:cs typeface="+mn-cs"/>
+              </a:defRPr>
+            </a:lvl4pPr>
+            <a:lvl5pPr marL="2286000" indent="-384048" algn="l" defTabSz="914400" rtl="0" eaLnBrk="1" latinLnBrk="0" hangingPunct="1">
+              <a:lnSpc>
+                <a:spcPct val="94000"/>
+              </a:lnSpc>
+              <a:spcBef>
+                <a:spcPts val="500"/>
+              </a:spcBef>
+              <a:spcAft>
+                <a:spcPts val="200"/>
+              </a:spcAft>
+              <a:buFont typeface="Franklin Gothic Book" panose="020B0503020102020204" pitchFamily="34" charset="0"/>
+              <a:buChar char="■"/>
+              <a:defRPr sz="1600" kern="1200" baseline="0">
+                <a:solidFill>
+                  <a:schemeClr val="tx2"/>
+                </a:solidFill>
+                <a:latin typeface="+mn-lt"/>
+                <a:ea typeface="+mn-ea"/>
+                <a:cs typeface="+mn-cs"/>
+              </a:defRPr>
+            </a:lvl5pPr>
+            <a:lvl6pPr marL="2743200" indent="-384048" algn="l" defTabSz="914400" rtl="0" eaLnBrk="1" latinLnBrk="0" hangingPunct="1">
+              <a:lnSpc>
+                <a:spcPct val="94000"/>
+              </a:lnSpc>
+              <a:spcBef>
+                <a:spcPts val="500"/>
+              </a:spcBef>
+              <a:spcAft>
+                <a:spcPts val="200"/>
+              </a:spcAft>
+              <a:buFont typeface="Franklin Gothic Book" panose="020B0503020102020204" pitchFamily="34" charset="0"/>
+              <a:buChar char="–"/>
+              <a:defRPr sz="1600" i="1" kern="1200" baseline="0">
+                <a:solidFill>
+                  <a:schemeClr val="tx2"/>
+                </a:solidFill>
+                <a:latin typeface="+mn-lt"/>
+                <a:ea typeface="+mn-ea"/>
+                <a:cs typeface="+mn-cs"/>
+              </a:defRPr>
+            </a:lvl6pPr>
+            <a:lvl7pPr marL="3200400" indent="-384048" algn="l" defTabSz="914400" rtl="0" eaLnBrk="1" latinLnBrk="0" hangingPunct="1">
+              <a:lnSpc>
+                <a:spcPct val="94000"/>
+              </a:lnSpc>
+              <a:spcBef>
+                <a:spcPts val="500"/>
+              </a:spcBef>
+              <a:spcAft>
+                <a:spcPts val="200"/>
+              </a:spcAft>
+              <a:buFont typeface="Franklin Gothic Book" panose="020B0503020102020204" pitchFamily="34" charset="0"/>
+              <a:buChar char="■"/>
+              <a:defRPr sz="1400" kern="1200" baseline="0">
+                <a:solidFill>
+                  <a:schemeClr val="tx2"/>
+                </a:solidFill>
+                <a:latin typeface="+mn-lt"/>
+                <a:ea typeface="+mn-ea"/>
+                <a:cs typeface="+mn-cs"/>
+              </a:defRPr>
+            </a:lvl7pPr>
+            <a:lvl8pPr marL="3657600" indent="-384048" algn="l" defTabSz="914400" rtl="0" eaLnBrk="1" latinLnBrk="0" hangingPunct="1">
+              <a:lnSpc>
+                <a:spcPct val="94000"/>
+              </a:lnSpc>
+              <a:spcBef>
+                <a:spcPts val="500"/>
+              </a:spcBef>
+              <a:spcAft>
+                <a:spcPts val="200"/>
+              </a:spcAft>
+              <a:buFont typeface="Franklin Gothic Book" panose="020B0503020102020204" pitchFamily="34" charset="0"/>
+              <a:buChar char="–"/>
+              <a:defRPr sz="1400" i="1" kern="1200" baseline="0">
+                <a:solidFill>
+                  <a:schemeClr val="tx2"/>
+                </a:solidFill>
+                <a:latin typeface="+mn-lt"/>
+                <a:ea typeface="+mn-ea"/>
+                <a:cs typeface="+mn-cs"/>
+              </a:defRPr>
+            </a:lvl8pPr>
+            <a:lvl9pPr marL="4114800" indent="-384048" algn="l" defTabSz="914400" rtl="0" eaLnBrk="1" latinLnBrk="0" hangingPunct="1">
+              <a:lnSpc>
+                <a:spcPct val="94000"/>
+              </a:lnSpc>
+              <a:spcBef>
+                <a:spcPts val="500"/>
+              </a:spcBef>
+              <a:spcAft>
+                <a:spcPts val="200"/>
+              </a:spcAft>
+              <a:buFont typeface="Franklin Gothic Book" panose="020B0503020102020204" pitchFamily="34" charset="0"/>
+              <a:buChar char="■"/>
+              <a:defRPr sz="1400" kern="1200" baseline="0">
+                <a:solidFill>
+                  <a:schemeClr val="tx2"/>
+                </a:solidFill>
+                <a:latin typeface="+mn-lt"/>
+                <a:ea typeface="+mn-ea"/>
+                <a:cs typeface="+mn-cs"/>
+              </a:defRPr>
+            </a:lvl9pPr>
+          </a:lstStyle>
+          <a:p>
+            <a:r>
+              <a:rPr lang="ru-RU" dirty="0"/>
+              <a:t>Задают поведение модели на клиенте</a:t>
+            </a:r>
+          </a:p>
+          <a:p>
+            <a:r>
+              <a:rPr lang="ru-UA" dirty="0"/>
+              <a:t>Н</a:t>
+            </a:r>
+            <a:r>
+              <a:rPr lang="ru-RU" dirty="0"/>
+              <a:t>е</a:t>
+            </a:r>
+            <a:r>
+              <a:rPr lang="ru-UA" dirty="0"/>
+              <a:t>к</a:t>
+            </a:r>
+            <a:r>
+              <a:rPr lang="ru-RU" dirty="0"/>
+              <a:t>о</a:t>
+            </a:r>
+            <a:r>
+              <a:rPr lang="ru-UA" dirty="0"/>
+              <a:t>т</a:t>
+            </a:r>
+            <a:r>
+              <a:rPr lang="ru-RU" dirty="0"/>
+              <a:t>о</a:t>
+            </a:r>
+            <a:r>
+              <a:rPr lang="ru-UA" dirty="0"/>
+              <a:t>р</a:t>
+            </a:r>
+            <a:r>
+              <a:rPr lang="ru-RU" dirty="0"/>
+              <a:t>ы</a:t>
+            </a:r>
+            <a:r>
+              <a:rPr lang="ru-UA" dirty="0"/>
+              <a:t>е </a:t>
+            </a:r>
+            <a:r>
+              <a:rPr lang="ru-RU" dirty="0"/>
+              <a:t>э</a:t>
+            </a:r>
+            <a:r>
+              <a:rPr lang="ru-UA" dirty="0"/>
+              <a:t>л</a:t>
+            </a:r>
+            <a:r>
+              <a:rPr lang="ru-RU" dirty="0"/>
+              <a:t>е</a:t>
+            </a:r>
+            <a:r>
+              <a:rPr lang="ru-UA" dirty="0"/>
+              <a:t>м</a:t>
+            </a:r>
+            <a:r>
+              <a:rPr lang="ru-RU" dirty="0"/>
+              <a:t>е</a:t>
+            </a:r>
+            <a:r>
+              <a:rPr lang="ru-UA" dirty="0"/>
+              <a:t>н</a:t>
+            </a:r>
+            <a:r>
+              <a:rPr lang="ru-RU" dirty="0"/>
+              <a:t>т</a:t>
+            </a:r>
+            <a:r>
+              <a:rPr lang="ru-UA" dirty="0"/>
+              <a:t>ы </a:t>
+            </a:r>
+            <a:r>
+              <a:rPr lang="ru-RU" dirty="0"/>
+              <a:t>с</a:t>
+            </a:r>
+            <a:r>
+              <a:rPr lang="ru-UA" dirty="0"/>
+              <a:t>в</a:t>
+            </a:r>
+            <a:r>
+              <a:rPr lang="ru-RU" dirty="0"/>
+              <a:t>я</a:t>
+            </a:r>
+            <a:r>
+              <a:rPr lang="ru-UA" dirty="0"/>
+              <a:t>з</a:t>
+            </a:r>
+            <a:r>
+              <a:rPr lang="ru-RU" dirty="0"/>
+              <a:t>а</a:t>
+            </a:r>
+            <a:r>
+              <a:rPr lang="ru-UA" dirty="0"/>
+              <a:t>н</a:t>
+            </a:r>
+            <a:r>
+              <a:rPr lang="ru-RU" dirty="0"/>
+              <a:t>ы</a:t>
+            </a:r>
+            <a:r>
+              <a:rPr lang="ru-UA" dirty="0"/>
+              <a:t> с </a:t>
+            </a:r>
+            <a:r>
+              <a:rPr lang="ru-RU" dirty="0"/>
+              <a:t>данным</a:t>
+            </a:r>
+            <a:r>
+              <a:rPr lang="ru-UA" dirty="0"/>
+              <a:t>и, </a:t>
+            </a:r>
+            <a:r>
+              <a:rPr lang="ru-RU" dirty="0"/>
+              <a:t>а</a:t>
+            </a:r>
+            <a:r>
+              <a:rPr lang="ru-UA" dirty="0"/>
+              <a:t> </a:t>
+            </a:r>
+            <a:r>
+              <a:rPr lang="ru-RU" dirty="0"/>
+              <a:t>н</a:t>
+            </a:r>
+            <a:r>
+              <a:rPr lang="ru-UA" dirty="0"/>
+              <a:t>е</a:t>
+            </a:r>
+            <a:r>
+              <a:rPr lang="ru-RU" dirty="0"/>
+              <a:t>к</a:t>
+            </a:r>
+            <a:r>
+              <a:rPr lang="ru-UA" dirty="0"/>
+              <a:t>о</a:t>
+            </a:r>
+            <a:r>
+              <a:rPr lang="ru-RU" dirty="0"/>
+              <a:t>т</a:t>
+            </a:r>
+            <a:r>
+              <a:rPr lang="ru-UA" dirty="0"/>
+              <a:t>о</a:t>
+            </a:r>
+            <a:r>
+              <a:rPr lang="ru-RU" dirty="0"/>
+              <a:t>р</a:t>
+            </a:r>
+            <a:r>
+              <a:rPr lang="ru-UA" dirty="0"/>
+              <a:t>ы</a:t>
+            </a:r>
+            <a:r>
+              <a:rPr lang="ru-RU" dirty="0"/>
+              <a:t>е</a:t>
+            </a:r>
+            <a:r>
+              <a:rPr lang="ru-UA" dirty="0"/>
+              <a:t> </a:t>
+            </a:r>
+            <a:r>
+              <a:rPr lang="ru-RU" dirty="0"/>
+              <a:t>с</a:t>
+            </a:r>
+            <a:r>
+              <a:rPr lang="ru-UA" dirty="0"/>
+              <a:t> </a:t>
+            </a:r>
+            <a:r>
+              <a:rPr lang="ru-RU" dirty="0"/>
+              <a:t>к</a:t>
+            </a:r>
+            <a:r>
+              <a:rPr lang="ru-UA" dirty="0"/>
+              <a:t>о</a:t>
+            </a:r>
+            <a:r>
+              <a:rPr lang="ru-RU" dirty="0"/>
+              <a:t>н</a:t>
+            </a:r>
+            <a:r>
+              <a:rPr lang="ru-UA" dirty="0"/>
+              <a:t>т</a:t>
+            </a:r>
+            <a:r>
+              <a:rPr lang="ru-RU" dirty="0"/>
+              <a:t>р</a:t>
+            </a:r>
+            <a:r>
+              <a:rPr lang="ru-UA" dirty="0"/>
+              <a:t>о</a:t>
+            </a:r>
+            <a:r>
+              <a:rPr lang="ru-RU" dirty="0"/>
+              <a:t>л</a:t>
+            </a:r>
+            <a:r>
+              <a:rPr lang="ru-UA" dirty="0"/>
+              <a:t>л</a:t>
+            </a:r>
+            <a:r>
+              <a:rPr lang="ru-RU" dirty="0"/>
+              <a:t>е</a:t>
+            </a:r>
+            <a:r>
+              <a:rPr lang="ru-UA" dirty="0"/>
+              <a:t>р</a:t>
+            </a:r>
+            <a:r>
+              <a:rPr lang="ru-RU" dirty="0"/>
+              <a:t>о</a:t>
+            </a:r>
+            <a:r>
+              <a:rPr lang="ru-UA" dirty="0"/>
+              <a:t>м</a:t>
+            </a:r>
+            <a:endParaRPr lang="en-US" dirty="0"/>
+          </a:p>
+          <a:p>
+            <a:r>
+              <a:rPr lang="ru-RU" dirty="0"/>
+              <a:t>Свойства</a:t>
+            </a:r>
+          </a:p>
+          <a:p>
+            <a:r>
+              <a:rPr lang="ru-RU" dirty="0"/>
+              <a:t>В</a:t>
+            </a:r>
+            <a:r>
+              <a:rPr lang="ru-UA" dirty="0"/>
+              <a:t>а</a:t>
+            </a:r>
+            <a:r>
+              <a:rPr lang="ru-RU" dirty="0"/>
+              <a:t>л</a:t>
+            </a:r>
+            <a:r>
+              <a:rPr lang="ru-UA" dirty="0"/>
+              <a:t>и</a:t>
+            </a:r>
+            <a:r>
+              <a:rPr lang="ru-RU" dirty="0"/>
+              <a:t>д</a:t>
+            </a:r>
+            <a:r>
+              <a:rPr lang="ru-UA" dirty="0"/>
+              <a:t>а</a:t>
+            </a:r>
+            <a:r>
+              <a:rPr lang="ru-RU" dirty="0"/>
+              <a:t>т</a:t>
+            </a:r>
+            <a:r>
+              <a:rPr lang="ru-UA" dirty="0"/>
+              <a:t>о</a:t>
+            </a:r>
+            <a:r>
+              <a:rPr lang="ru-RU" dirty="0"/>
+              <a:t>р</a:t>
+            </a:r>
+            <a:r>
+              <a:rPr lang="ru-UA" dirty="0"/>
+              <a:t>ы</a:t>
+            </a:r>
+            <a:endParaRPr lang="uk-UA" dirty="0"/>
+          </a:p>
+          <a:p>
+            <a:r>
+              <a:rPr lang="uk-UA" dirty="0"/>
+              <a:t>М</a:t>
+            </a:r>
+            <a:r>
+              <a:rPr lang="ru-UA" dirty="0"/>
+              <a:t>о</a:t>
+            </a:r>
+            <a:r>
+              <a:rPr lang="ru-RU" dirty="0"/>
+              <a:t>д</a:t>
+            </a:r>
+            <a:r>
+              <a:rPr lang="ru-UA" dirty="0"/>
+              <a:t>у</a:t>
+            </a:r>
+            <a:r>
+              <a:rPr lang="ru-RU" dirty="0"/>
+              <a:t>л</a:t>
+            </a:r>
+            <a:r>
+              <a:rPr lang="ru-UA" dirty="0"/>
+              <a:t>и </a:t>
+            </a:r>
+            <a:r>
+              <a:rPr lang="ru-RU" dirty="0"/>
+              <a:t>и</a:t>
+            </a:r>
+            <a:r>
+              <a:rPr lang="ru-UA" dirty="0"/>
+              <a:t> </a:t>
+            </a:r>
+            <a:r>
+              <a:rPr lang="ru-RU" dirty="0"/>
+              <a:t>функция</a:t>
+            </a:r>
+            <a:r>
+              <a:rPr lang="ru-UA" dirty="0"/>
+              <a:t> </a:t>
+            </a:r>
+            <a:r>
+              <a:rPr lang="en-US" dirty="0"/>
+              <a:t>require</a:t>
+            </a:r>
+            <a:endParaRPr lang="ru-UA" dirty="0"/>
+          </a:p>
+          <a:p>
+            <a:endParaRPr lang="ru-UA" dirty="0"/>
+          </a:p>
+          <a:p>
+            <a:endParaRPr lang="ru-UA" dirty="0"/>
+          </a:p>
+        </p:txBody>
+      </p:sp>
     </p:spTree>
     <p:extLst>
       <p:ext uri="{BB962C8B-B14F-4D97-AF65-F5344CB8AC3E}">
